--- a/PresentationFanta.pptx
+++ b/PresentationFanta.pptx
@@ -4364,6 +4364,62 @@
       </p:grpSpPr>
       <p:sp>
         <p:nvSpPr>
+          <p:cNvPr id="10" name="Rectangle 9">
+            <a:extLst>
+              <a:ext uri="{FF2B5EF4-FFF2-40B4-BE49-F238E27FC236}">
+                <a16:creationId xmlns:a16="http://schemas.microsoft.com/office/drawing/2014/main" id="{4942D0F2-AFBD-6ADF-1CD0-7B911001B305}"/>
+              </a:ext>
+            </a:extLst>
+          </p:cNvPr>
+          <p:cNvSpPr/>
+          <p:nvPr/>
+        </p:nvSpPr>
+        <p:spPr>
+          <a:xfrm>
+            <a:off x="3795165" y="1780674"/>
+            <a:ext cx="7883488" cy="3232484"/>
+          </a:xfrm>
+          <a:prstGeom prst="rect">
+            <a:avLst/>
+          </a:prstGeom>
+          <a:solidFill>
+            <a:schemeClr val="bg1">
+              <a:lumMod val="65000"/>
+            </a:schemeClr>
+          </a:solidFill>
+          <a:ln w="28575">
+            <a:solidFill>
+              <a:schemeClr val="tx1"/>
+            </a:solidFill>
+          </a:ln>
+        </p:spPr>
+        <p:style>
+          <a:lnRef idx="2">
+            <a:schemeClr val="accent1">
+              <a:shade val="50000"/>
+            </a:schemeClr>
+          </a:lnRef>
+          <a:fillRef idx="1">
+            <a:schemeClr val="accent1"/>
+          </a:fillRef>
+          <a:effectRef idx="0">
+            <a:schemeClr val="accent1"/>
+          </a:effectRef>
+          <a:fontRef idx="minor">
+            <a:schemeClr val="lt1"/>
+          </a:fontRef>
+        </p:style>
+        <p:txBody>
+          <a:bodyPr rtlCol="0" anchor="ctr"/>
+          <a:lstStyle/>
+          <a:p>
+            <a:pPr algn="ctr"/>
+            <a:endParaRPr lang="en-US" dirty="0"/>
+          </a:p>
+        </p:txBody>
+      </p:sp>
+      <p:sp>
+        <p:nvSpPr>
           <p:cNvPr id="2" name="Can 1">
             <a:extLst>
               <a:ext uri="{FF2B5EF4-FFF2-40B4-BE49-F238E27FC236}">
@@ -4753,10 +4809,10 @@
       </p:cxnSp>
       <p:sp>
         <p:nvSpPr>
-          <p:cNvPr id="11" name="TextBox 10">
-            <a:extLst>
-              <a:ext uri="{FF2B5EF4-FFF2-40B4-BE49-F238E27FC236}">
-                <a16:creationId xmlns:a16="http://schemas.microsoft.com/office/drawing/2014/main" id="{DEDE9B04-BAEB-A690-253C-8AE62902DA5D}"/>
+          <p:cNvPr id="13" name="TextBox 12">
+            <a:extLst>
+              <a:ext uri="{FF2B5EF4-FFF2-40B4-BE49-F238E27FC236}">
+                <a16:creationId xmlns:a16="http://schemas.microsoft.com/office/drawing/2014/main" id="{D5B49F37-4A1A-0C12-1169-69624D04EA20}"/>
               </a:ext>
             </a:extLst>
           </p:cNvPr>
@@ -4765,8 +4821,8 @@
         </p:nvSpPr>
         <p:spPr>
           <a:xfrm>
-            <a:off x="809203" y="784928"/>
-            <a:ext cx="2985962" cy="646331"/>
+            <a:off x="7175414" y="4467867"/>
+            <a:ext cx="1117614" cy="307777"/>
           </a:xfrm>
           <a:prstGeom prst="rect">
             <a:avLst/>
@@ -4774,6 +4830,117 @@
           <a:noFill/>
         </p:spPr>
         <p:txBody>
+          <a:bodyPr wrap="none" rtlCol="0">
+            <a:spAutoFit/>
+          </a:bodyPr>
+          <a:lstStyle/>
+          <a:p>
+            <a:r>
+              <a:rPr lang="en-US" sz="1400" b="1" dirty="0">
+                <a:latin typeface="Century Gothic" panose="020B0502020202020204" pitchFamily="34" charset="0"/>
+              </a:rPr>
+              <a:t>DAO Layer</a:t>
+            </a:r>
+          </a:p>
+        </p:txBody>
+      </p:sp>
+      <p:sp>
+        <p:nvSpPr>
+          <p:cNvPr id="14" name="TextBox 13">
+            <a:extLst>
+              <a:ext uri="{FF2B5EF4-FFF2-40B4-BE49-F238E27FC236}">
+                <a16:creationId xmlns:a16="http://schemas.microsoft.com/office/drawing/2014/main" id="{931B1252-E916-4FAE-4DC2-8C0735CBFBAC}"/>
+              </a:ext>
+            </a:extLst>
+          </p:cNvPr>
+          <p:cNvSpPr txBox="1"/>
+          <p:nvPr/>
+        </p:nvSpPr>
+        <p:spPr>
+          <a:xfrm>
+            <a:off x="4344381" y="4475428"/>
+            <a:ext cx="1032655" cy="307777"/>
+          </a:xfrm>
+          <a:prstGeom prst="rect">
+            <a:avLst/>
+          </a:prstGeom>
+          <a:noFill/>
+        </p:spPr>
+        <p:txBody>
+          <a:bodyPr wrap="none" rtlCol="0">
+            <a:spAutoFit/>
+          </a:bodyPr>
+          <a:lstStyle/>
+          <a:p>
+            <a:r>
+              <a:rPr lang="en-US" sz="1400" b="1" dirty="0">
+                <a:latin typeface="Century Gothic" panose="020B0502020202020204" pitchFamily="34" charset="0"/>
+              </a:rPr>
+              <a:t>Mid Layer</a:t>
+            </a:r>
+          </a:p>
+        </p:txBody>
+      </p:sp>
+      <p:sp>
+        <p:nvSpPr>
+          <p:cNvPr id="15" name="TextBox 14">
+            <a:extLst>
+              <a:ext uri="{FF2B5EF4-FFF2-40B4-BE49-F238E27FC236}">
+                <a16:creationId xmlns:a16="http://schemas.microsoft.com/office/drawing/2014/main" id="{36AD9CF5-0E4B-9445-56E2-0A7FB1356985}"/>
+              </a:ext>
+            </a:extLst>
+          </p:cNvPr>
+          <p:cNvSpPr txBox="1"/>
+          <p:nvPr/>
+        </p:nvSpPr>
+        <p:spPr>
+          <a:xfrm>
+            <a:off x="10243915" y="4475429"/>
+            <a:ext cx="413896" cy="307777"/>
+          </a:xfrm>
+          <a:prstGeom prst="rect">
+            <a:avLst/>
+          </a:prstGeom>
+          <a:noFill/>
+        </p:spPr>
+        <p:txBody>
+          <a:bodyPr wrap="none" rtlCol="0">
+            <a:spAutoFit/>
+          </a:bodyPr>
+          <a:lstStyle/>
+          <a:p>
+            <a:r>
+              <a:rPr lang="en-US" sz="1400" b="1" dirty="0">
+                <a:latin typeface="Century Gothic" panose="020B0502020202020204" pitchFamily="34" charset="0"/>
+              </a:rPr>
+              <a:t>DB</a:t>
+            </a:r>
+          </a:p>
+        </p:txBody>
+      </p:sp>
+      <p:sp>
+        <p:nvSpPr>
+          <p:cNvPr id="11" name="TextBox 10">
+            <a:extLst>
+              <a:ext uri="{FF2B5EF4-FFF2-40B4-BE49-F238E27FC236}">
+                <a16:creationId xmlns:a16="http://schemas.microsoft.com/office/drawing/2014/main" id="{DEDE9B04-BAEB-A690-253C-8AE62902DA5D}"/>
+              </a:ext>
+            </a:extLst>
+          </p:cNvPr>
+          <p:cNvSpPr txBox="1"/>
+          <p:nvPr/>
+        </p:nvSpPr>
+        <p:spPr>
+          <a:xfrm>
+            <a:off x="809203" y="784928"/>
+            <a:ext cx="2985962" cy="646331"/>
+          </a:xfrm>
+          <a:prstGeom prst="rect">
+            <a:avLst/>
+          </a:prstGeom>
+          <a:noFill/>
+        </p:spPr>
+        <p:txBody>
           <a:bodyPr wrap="square" rtlCol="0">
             <a:spAutoFit/>
           </a:bodyPr>
@@ -4802,7 +4969,7 @@
         </p:nvSpPr>
         <p:spPr>
           <a:xfrm>
-            <a:off x="1534189" y="4475428"/>
+            <a:off x="1606114" y="1805623"/>
             <a:ext cx="1011815" cy="307777"/>
           </a:xfrm>
           <a:prstGeom prst="rect">
@@ -4827,10 +4994,10 @@
       </p:sp>
       <p:sp>
         <p:nvSpPr>
-          <p:cNvPr id="13" name="TextBox 12">
-            <a:extLst>
-              <a:ext uri="{FF2B5EF4-FFF2-40B4-BE49-F238E27FC236}">
-                <a16:creationId xmlns:a16="http://schemas.microsoft.com/office/drawing/2014/main" id="{D5B49F37-4A1A-0C12-1169-69624D04EA20}"/>
+          <p:cNvPr id="16" name="TextBox 15">
+            <a:extLst>
+              <a:ext uri="{FF2B5EF4-FFF2-40B4-BE49-F238E27FC236}">
+                <a16:creationId xmlns:a16="http://schemas.microsoft.com/office/drawing/2014/main" id="{F125F862-588C-BA94-CCAE-4E892CC959D9}"/>
               </a:ext>
             </a:extLst>
           </p:cNvPr>
@@ -4839,8 +5006,8 @@
         </p:nvSpPr>
         <p:spPr>
           <a:xfrm>
-            <a:off x="7175414" y="4467867"/>
-            <a:ext cx="1117614" cy="307777"/>
+            <a:off x="6818364" y="1805623"/>
+            <a:ext cx="1015021" cy="307777"/>
           </a:xfrm>
           <a:prstGeom prst="rect">
             <a:avLst/>
@@ -4857,81 +5024,7 @@
               <a:rPr lang="en-US" sz="1400" b="1" dirty="0">
                 <a:latin typeface="Century Gothic" panose="020B0502020202020204" pitchFamily="34" charset="0"/>
               </a:rPr>
-              <a:t>DAO Layer</a:t>
-            </a:r>
-          </a:p>
-        </p:txBody>
-      </p:sp>
-      <p:sp>
-        <p:nvSpPr>
-          <p:cNvPr id="14" name="TextBox 13">
-            <a:extLst>
-              <a:ext uri="{FF2B5EF4-FFF2-40B4-BE49-F238E27FC236}">
-                <a16:creationId xmlns:a16="http://schemas.microsoft.com/office/drawing/2014/main" id="{931B1252-E916-4FAE-4DC2-8C0735CBFBAC}"/>
-              </a:ext>
-            </a:extLst>
-          </p:cNvPr>
-          <p:cNvSpPr txBox="1"/>
-          <p:nvPr/>
-        </p:nvSpPr>
-        <p:spPr>
-          <a:xfrm>
-            <a:off x="4344381" y="4475428"/>
-            <a:ext cx="1032655" cy="307777"/>
-          </a:xfrm>
-          <a:prstGeom prst="rect">
-            <a:avLst/>
-          </a:prstGeom>
-          <a:noFill/>
-        </p:spPr>
-        <p:txBody>
-          <a:bodyPr wrap="none" rtlCol="0">
-            <a:spAutoFit/>
-          </a:bodyPr>
-          <a:lstStyle/>
-          <a:p>
-            <a:r>
-              <a:rPr lang="en-US" sz="1400" b="1" dirty="0">
-                <a:latin typeface="Century Gothic" panose="020B0502020202020204" pitchFamily="34" charset="0"/>
-              </a:rPr>
-              <a:t>Mid Layer</a:t>
-            </a:r>
-          </a:p>
-        </p:txBody>
-      </p:sp>
-      <p:sp>
-        <p:nvSpPr>
-          <p:cNvPr id="15" name="TextBox 14">
-            <a:extLst>
-              <a:ext uri="{FF2B5EF4-FFF2-40B4-BE49-F238E27FC236}">
-                <a16:creationId xmlns:a16="http://schemas.microsoft.com/office/drawing/2014/main" id="{36AD9CF5-0E4B-9445-56E2-0A7FB1356985}"/>
-              </a:ext>
-            </a:extLst>
-          </p:cNvPr>
-          <p:cNvSpPr txBox="1"/>
-          <p:nvPr/>
-        </p:nvSpPr>
-        <p:spPr>
-          <a:xfrm>
-            <a:off x="10243915" y="4475429"/>
-            <a:ext cx="413896" cy="307777"/>
-          </a:xfrm>
-          <a:prstGeom prst="rect">
-            <a:avLst/>
-          </a:prstGeom>
-          <a:noFill/>
-        </p:spPr>
-        <p:txBody>
-          <a:bodyPr wrap="none" rtlCol="0">
-            <a:spAutoFit/>
-          </a:bodyPr>
-          <a:lstStyle/>
-          <a:p>
-            <a:r>
-              <a:rPr lang="en-US" sz="1400" b="1" dirty="0">
-                <a:latin typeface="Century Gothic" panose="020B0502020202020204" pitchFamily="34" charset="0"/>
-              </a:rPr>
-              <a:t>DB</a:t>
+              <a:t>Back end</a:t>
             </a:r>
           </a:p>
         </p:txBody>
